--- a/Solutions_presentation.pptx
+++ b/Solutions_presentation.pptx
@@ -211,7 +211,7 @@
           <a:p>
             <a:fld id="{16E6C883-5150-4DBA-8061-2653FC8F714B}" type="datetimeFigureOut">
               <a:rPr lang="en-IN" smtClean="0"/>
-              <a:t>14-07-2023</a:t>
+              <a:t>23-08-2023</a:t>
             </a:fld>
             <a:endParaRPr lang="en-IN"/>
           </a:p>
@@ -735,7 +735,7 @@
           <a:p>
             <a:fld id="{4329848C-72FC-4000-941C-5AE6464D2744}" type="datetimeFigureOut">
               <a:rPr lang="en-IN" smtClean="0"/>
-              <a:t>14-07-2023</a:t>
+              <a:t>23-08-2023</a:t>
             </a:fld>
             <a:endParaRPr lang="en-IN"/>
           </a:p>
@@ -963,7 +963,7 @@
           <a:p>
             <a:fld id="{4329848C-72FC-4000-941C-5AE6464D2744}" type="datetimeFigureOut">
               <a:rPr lang="en-IN" smtClean="0"/>
-              <a:t>14-07-2023</a:t>
+              <a:t>23-08-2023</a:t>
             </a:fld>
             <a:endParaRPr lang="en-IN"/>
           </a:p>
@@ -1143,7 +1143,7 @@
           <a:p>
             <a:fld id="{4329848C-72FC-4000-941C-5AE6464D2744}" type="datetimeFigureOut">
               <a:rPr lang="en-IN" smtClean="0"/>
-              <a:t>14-07-2023</a:t>
+              <a:t>23-08-2023</a:t>
             </a:fld>
             <a:endParaRPr lang="en-IN"/>
           </a:p>
@@ -1313,7 +1313,7 @@
           <a:p>
             <a:fld id="{4329848C-72FC-4000-941C-5AE6464D2744}" type="datetimeFigureOut">
               <a:rPr lang="en-IN" smtClean="0"/>
-              <a:t>14-07-2023</a:t>
+              <a:t>23-08-2023</a:t>
             </a:fld>
             <a:endParaRPr lang="en-IN"/>
           </a:p>
@@ -1567,7 +1567,7 @@
           <a:p>
             <a:fld id="{4329848C-72FC-4000-941C-5AE6464D2744}" type="datetimeFigureOut">
               <a:rPr lang="en-IN" smtClean="0"/>
-              <a:t>14-07-2023</a:t>
+              <a:t>23-08-2023</a:t>
             </a:fld>
             <a:endParaRPr lang="en-IN"/>
           </a:p>
@@ -1893,7 +1893,7 @@
           <a:p>
             <a:fld id="{4329848C-72FC-4000-941C-5AE6464D2744}" type="datetimeFigureOut">
               <a:rPr lang="en-IN" smtClean="0"/>
-              <a:t>14-07-2023</a:t>
+              <a:t>23-08-2023</a:t>
             </a:fld>
             <a:endParaRPr lang="en-IN"/>
           </a:p>
@@ -2344,7 +2344,7 @@
           <a:p>
             <a:fld id="{4329848C-72FC-4000-941C-5AE6464D2744}" type="datetimeFigureOut">
               <a:rPr lang="en-IN" smtClean="0"/>
-              <a:t>14-07-2023</a:t>
+              <a:t>23-08-2023</a:t>
             </a:fld>
             <a:endParaRPr lang="en-IN"/>
           </a:p>
@@ -2462,7 +2462,7 @@
           <a:p>
             <a:fld id="{4329848C-72FC-4000-941C-5AE6464D2744}" type="datetimeFigureOut">
               <a:rPr lang="en-IN" smtClean="0"/>
-              <a:t>14-07-2023</a:t>
+              <a:t>23-08-2023</a:t>
             </a:fld>
             <a:endParaRPr lang="en-IN"/>
           </a:p>
@@ -2557,7 +2557,7 @@
           <a:p>
             <a:fld id="{4329848C-72FC-4000-941C-5AE6464D2744}" type="datetimeFigureOut">
               <a:rPr lang="en-IN" smtClean="0"/>
-              <a:t>14-07-2023</a:t>
+              <a:t>23-08-2023</a:t>
             </a:fld>
             <a:endParaRPr lang="en-IN"/>
           </a:p>
@@ -2844,7 +2844,7 @@
           <a:p>
             <a:fld id="{4329848C-72FC-4000-941C-5AE6464D2744}" type="datetimeFigureOut">
               <a:rPr lang="en-IN" smtClean="0"/>
-              <a:t>14-07-2023</a:t>
+              <a:t>23-08-2023</a:t>
             </a:fld>
             <a:endParaRPr lang="en-IN"/>
           </a:p>
@@ -3166,7 +3166,7 @@
           <a:p>
             <a:fld id="{4329848C-72FC-4000-941C-5AE6464D2744}" type="datetimeFigureOut">
               <a:rPr lang="en-IN" smtClean="0"/>
-              <a:t>14-07-2023</a:t>
+              <a:t>23-08-2023</a:t>
             </a:fld>
             <a:endParaRPr lang="en-IN"/>
           </a:p>
@@ -3420,7 +3420,7 @@
           <a:p>
             <a:fld id="{4329848C-72FC-4000-941C-5AE6464D2744}" type="datetimeFigureOut">
               <a:rPr lang="en-IN" smtClean="0"/>
-              <a:t>14-07-2023</a:t>
+              <a:t>23-08-2023</a:t>
             </a:fld>
             <a:endParaRPr lang="en-IN"/>
           </a:p>
@@ -4004,11 +4004,7 @@
             </a:pPr>
             <a:r>
               <a:rPr lang="en-US" sz="2400" dirty="0" smtClean="0"/>
-              <a:t>Request, solutions </a:t>
-            </a:r>
-            <a:r>
-              <a:rPr lang="en-US" sz="2400" dirty="0" smtClean="0"/>
-              <a:t>and results</a:t>
+              <a:t>Request, solutions and results</a:t>
             </a:r>
             <a:endParaRPr lang="en-IN" sz="2400" dirty="0"/>
           </a:p>
@@ -4302,7 +4298,15 @@
           <a:p>
             <a:r>
               <a:rPr lang="en-US" dirty="0"/>
-              <a:t>Request 8. In which quarter of 2020, got the maximum total_sold_quantity? The final output contains these fields sorted by the total_sold_quantity, Quarter total_sold_quantity</a:t>
+              <a:t>Request 8. </a:t>
+            </a:r>
+            <a:r>
+              <a:rPr lang="en-US" dirty="0" smtClean="0"/>
+              <a:t>Which </a:t>
+            </a:r>
+            <a:r>
+              <a:rPr lang="en-US" dirty="0"/>
+              <a:t>quarter of 2020, got the maximum total_sold_quantity? The final output contains these fields sorted by the total_sold_quantity, Quarter total_sold_quantity</a:t>
             </a:r>
             <a:endParaRPr lang="en-IN" dirty="0"/>
           </a:p>
@@ -4775,7 +4779,15 @@
           <a:p>
             <a:r>
               <a:rPr lang="en-US" dirty="0" smtClean="0"/>
-              <a:t>The top executives of AtliQ Hardware (imaginary hardware manufacturing company from India) wants some quick insights to make data informed decisions.</a:t>
+              <a:t>The top executives of AtliQ Hardware (imaginary hardware manufacturing company from India</a:t>
+            </a:r>
+            <a:r>
+              <a:rPr lang="en-US" smtClean="0"/>
+              <a:t>) want </a:t>
+            </a:r>
+            <a:r>
+              <a:rPr lang="en-US" dirty="0" smtClean="0"/>
+              <a:t>some quick insights to make data informed decisions.</a:t>
             </a:r>
           </a:p>
           <a:p>
@@ -4794,7 +4806,7 @@
         </p:nvSpPr>
         <p:spPr>
           <a:xfrm>
-            <a:off x="1106424" y="2615185"/>
+            <a:off x="1170432" y="2578609"/>
             <a:ext cx="10085832" cy="3693319"/>
           </a:xfrm>
           <a:prstGeom prst="rect">
